--- a/Proposal/Presentation/Presentation.pptx
+++ b/Proposal/Presentation/Presentation.pptx
@@ -11,7 +11,8 @@
     <p:sldId id="259" r:id="rId5"/>
     <p:sldId id="260" r:id="rId6"/>
     <p:sldId id="261" r:id="rId7"/>
-    <p:sldId id="262" r:id="rId8"/>
+    <p:sldId id="263" r:id="rId8"/>
+    <p:sldId id="262" r:id="rId9"/>
   </p:sldIdLst>
   <p:sldSz cx="12192000" cy="6858000"/>
   <p:notesSz cx="6858000" cy="9144000"/>
@@ -110,6 +111,11 @@
       </a:defRPr>
     </a:lvl9pPr>
   </p:defaultTextStyle>
+  <p:extLst>
+    <p:ext uri="{EFAFB233-063F-42B5-8137-9DF3F51BA10A}">
+      <p15:sldGuideLst xmlns:p15="http://schemas.microsoft.com/office/powerpoint/2012/main"/>
+    </p:ext>
+  </p:extLst>
 </p:presentation>
 </file>
 
@@ -6788,7 +6794,7 @@
         </p:blipFill>
         <p:spPr>
           <a:xfrm>
-            <a:off x="483080" y="2515811"/>
+            <a:off x="483080" y="2593449"/>
             <a:ext cx="4098241" cy="2754929"/>
           </a:xfrm>
           <a:prstGeom prst="rect">
@@ -6852,7 +6858,7 @@
         </p:blipFill>
         <p:spPr>
           <a:xfrm>
-            <a:off x="4710023" y="2333802"/>
+            <a:off x="4727276" y="2593449"/>
             <a:ext cx="4864710" cy="3662197"/>
           </a:xfrm>
           <a:prstGeom prst="rect">
@@ -7132,7 +7138,7 @@
         </p:blipFill>
         <p:spPr>
           <a:xfrm>
-            <a:off x="891395" y="2820744"/>
+            <a:off x="891395" y="2602075"/>
             <a:ext cx="7261598" cy="3347143"/>
           </a:xfrm>
           <a:prstGeom prst="rect">
@@ -7161,6 +7167,343 @@
 </file>
 
 <file path=ppt/slides/slide7.xml><?xml version="1.0" encoding="utf-8"?>
+<p:sld xmlns:a="http://schemas.openxmlformats.org/drawingml/2006/main" xmlns:r="http://schemas.openxmlformats.org/officeDocument/2006/relationships" xmlns:p="http://schemas.openxmlformats.org/presentationml/2006/main">
+  <p:cSld>
+    <p:spTree>
+      <p:nvGrpSpPr>
+        <p:cNvPr id="1" name=""/>
+        <p:cNvGrpSpPr/>
+        <p:nvPr/>
+      </p:nvGrpSpPr>
+      <p:grpSpPr>
+        <a:xfrm>
+          <a:off x="0" y="0"/>
+          <a:ext cx="0" cy="0"/>
+          <a:chOff x="0" y="0"/>
+          <a:chExt cx="0" cy="0"/>
+        </a:xfrm>
+      </p:grpSpPr>
+      <p:sp>
+        <p:nvSpPr>
+          <p:cNvPr id="2" name="Title 1"/>
+          <p:cNvSpPr txBox="1">
+            <a:spLocks/>
+          </p:cNvSpPr>
+          <p:nvPr/>
+        </p:nvSpPr>
+        <p:spPr>
+          <a:xfrm>
+            <a:off x="483080" y="1068641"/>
+            <a:ext cx="4477109" cy="778219"/>
+          </a:xfrm>
+          <a:prstGeom prst="rect">
+            <a:avLst/>
+          </a:prstGeom>
+        </p:spPr>
+        <p:txBody>
+          <a:bodyPr>
+            <a:normAutofit/>
+          </a:bodyPr>
+          <a:lstStyle>
+            <a:lvl1pPr algn="l" defTabSz="457200" rtl="0" eaLnBrk="1" latinLnBrk="0" hangingPunct="1">
+              <a:spcBef>
+                <a:spcPct val="0"/>
+              </a:spcBef>
+              <a:buNone/>
+              <a:defRPr sz="3600" kern="1200">
+                <a:solidFill>
+                  <a:schemeClr val="accent1"/>
+                </a:solidFill>
+                <a:latin typeface="+mj-lt"/>
+                <a:ea typeface="+mj-ea"/>
+                <a:cs typeface="+mj-cs"/>
+              </a:defRPr>
+            </a:lvl1pPr>
+            <a:lvl2pPr eaLnBrk="1" hangingPunct="1">
+              <a:defRPr>
+                <a:solidFill>
+                  <a:schemeClr val="tx2"/>
+                </a:solidFill>
+              </a:defRPr>
+            </a:lvl2pPr>
+            <a:lvl3pPr eaLnBrk="1" hangingPunct="1">
+              <a:defRPr>
+                <a:solidFill>
+                  <a:schemeClr val="tx2"/>
+                </a:solidFill>
+              </a:defRPr>
+            </a:lvl3pPr>
+            <a:lvl4pPr eaLnBrk="1" hangingPunct="1">
+              <a:defRPr>
+                <a:solidFill>
+                  <a:schemeClr val="tx2"/>
+                </a:solidFill>
+              </a:defRPr>
+            </a:lvl4pPr>
+            <a:lvl5pPr eaLnBrk="1" hangingPunct="1">
+              <a:defRPr>
+                <a:solidFill>
+                  <a:schemeClr val="tx2"/>
+                </a:solidFill>
+              </a:defRPr>
+            </a:lvl5pPr>
+            <a:lvl6pPr eaLnBrk="1" hangingPunct="1">
+              <a:defRPr>
+                <a:solidFill>
+                  <a:schemeClr val="tx2"/>
+                </a:solidFill>
+              </a:defRPr>
+            </a:lvl6pPr>
+            <a:lvl7pPr eaLnBrk="1" hangingPunct="1">
+              <a:defRPr>
+                <a:solidFill>
+                  <a:schemeClr val="tx2"/>
+                </a:solidFill>
+              </a:defRPr>
+            </a:lvl7pPr>
+            <a:lvl8pPr eaLnBrk="1" hangingPunct="1">
+              <a:defRPr>
+                <a:solidFill>
+                  <a:schemeClr val="tx2"/>
+                </a:solidFill>
+              </a:defRPr>
+            </a:lvl8pPr>
+            <a:lvl9pPr eaLnBrk="1" hangingPunct="1">
+              <a:defRPr>
+                <a:solidFill>
+                  <a:schemeClr val="tx2"/>
+                </a:solidFill>
+              </a:defRPr>
+            </a:lvl9pPr>
+          </a:lstStyle>
+          <a:p>
+            <a:r>
+              <a:rPr lang="en-CA" sz="1800" smtClean="0">
+                <a:solidFill>
+                  <a:schemeClr val="accent2">
+                    <a:lumMod val="75000"/>
+                  </a:schemeClr>
+                </a:solidFill>
+              </a:rPr>
+              <a:t>Applied Energy Research</a:t>
+            </a:r>
+            <a:endParaRPr lang="en-CA" sz="1800" dirty="0">
+              <a:solidFill>
+                <a:schemeClr val="accent2">
+                  <a:lumMod val="75000"/>
+                </a:schemeClr>
+              </a:solidFill>
+            </a:endParaRPr>
+          </a:p>
+        </p:txBody>
+      </p:sp>
+      <p:pic>
+        <p:nvPicPr>
+          <p:cNvPr id="3" name="Content Placeholder 4"/>
+          <p:cNvPicPr>
+            <a:picLocks noChangeAspect="1"/>
+          </p:cNvPicPr>
+          <p:nvPr/>
+        </p:nvPicPr>
+        <p:blipFill>
+          <a:blip r:embed="rId2" cstate="print">
+            <a:extLst>
+              <a:ext uri="{28A0092B-C50C-407E-A947-70E740481C1C}">
+                <a14:useLocalDpi xmlns:a14="http://schemas.microsoft.com/office/drawing/2010/main" val="0"/>
+              </a:ext>
+            </a:extLst>
+          </a:blip>
+          <a:stretch>
+            <a:fillRect/>
+          </a:stretch>
+        </p:blipFill>
+        <p:spPr>
+          <a:xfrm>
+            <a:off x="483080" y="399690"/>
+            <a:ext cx="2979737" cy="668951"/>
+          </a:xfrm>
+          <a:prstGeom prst="rect">
+            <a:avLst/>
+          </a:prstGeom>
+        </p:spPr>
+      </p:pic>
+      <p:cxnSp>
+        <p:nvCxnSpPr>
+          <p:cNvPr id="4" name="Straight Connector 3"/>
+          <p:cNvCxnSpPr/>
+          <p:nvPr/>
+        </p:nvCxnSpPr>
+        <p:spPr>
+          <a:xfrm flipV="1">
+            <a:off x="483080" y="1457750"/>
+            <a:ext cx="9247516" cy="1"/>
+          </a:xfrm>
+          <a:prstGeom prst="line">
+            <a:avLst/>
+          </a:prstGeom>
+          <a:ln>
+            <a:solidFill>
+              <a:srgbClr val="0F427A"/>
+            </a:solidFill>
+          </a:ln>
+        </p:spPr>
+        <p:style>
+          <a:lnRef idx="1">
+            <a:schemeClr val="accent1"/>
+          </a:lnRef>
+          <a:fillRef idx="0">
+            <a:schemeClr val="accent1"/>
+          </a:fillRef>
+          <a:effectRef idx="0">
+            <a:schemeClr val="accent1"/>
+          </a:effectRef>
+          <a:fontRef idx="minor">
+            <a:schemeClr val="tx1"/>
+          </a:fontRef>
+        </p:style>
+      </p:cxnSp>
+      <p:sp>
+        <p:nvSpPr>
+          <p:cNvPr id="5" name="TextBox 4"/>
+          <p:cNvSpPr txBox="1"/>
+          <p:nvPr/>
+        </p:nvSpPr>
+        <p:spPr>
+          <a:xfrm>
+            <a:off x="483080" y="1843178"/>
+            <a:ext cx="5986895" cy="4031873"/>
+          </a:xfrm>
+          <a:prstGeom prst="rect">
+            <a:avLst/>
+          </a:prstGeom>
+          <a:noFill/>
+        </p:spPr>
+        <p:txBody>
+          <a:bodyPr wrap="none" rtlCol="0">
+            <a:spAutoFit/>
+          </a:bodyPr>
+          <a:lstStyle/>
+          <a:p>
+            <a:r>
+              <a:rPr lang="en-CA" sz="3200" b="1" dirty="0" smtClean="0">
+                <a:latin typeface="Calibri Light" panose="020F0302020204030204" pitchFamily="34" charset="0"/>
+              </a:rPr>
+              <a:t>Technical Aspects:</a:t>
+            </a:r>
+            <a:br>
+              <a:rPr lang="en-CA" sz="3200" b="1" dirty="0" smtClean="0">
+                <a:latin typeface="Calibri Light" panose="020F0302020204030204" pitchFamily="34" charset="0"/>
+              </a:rPr>
+            </a:br>
+            <a:r>
+              <a:rPr lang="en-CA" sz="2800" u="sng" dirty="0" smtClean="0">
+                <a:latin typeface="Calibri Light" panose="020F0302020204030204" pitchFamily="34" charset="0"/>
+              </a:rPr>
+              <a:t>Hardware side</a:t>
+            </a:r>
+          </a:p>
+          <a:p>
+            <a:pPr marL="457200" indent="-457200">
+              <a:buFont typeface="Arial" panose="020B0604020202020204" pitchFamily="34" charset="0"/>
+              <a:buChar char="•"/>
+            </a:pPr>
+            <a:r>
+              <a:rPr lang="en-CA" sz="2800" dirty="0" smtClean="0">
+                <a:latin typeface="Calibri Light" panose="020F0302020204030204" pitchFamily="34" charset="0"/>
+              </a:rPr>
+              <a:t>Microcontroller Programming </a:t>
+            </a:r>
+          </a:p>
+          <a:p>
+            <a:pPr marL="457200" indent="-457200">
+              <a:buFont typeface="Arial" panose="020B0604020202020204" pitchFamily="34" charset="0"/>
+              <a:buChar char="•"/>
+            </a:pPr>
+            <a:r>
+              <a:rPr lang="en-CA" sz="2800" dirty="0" smtClean="0">
+                <a:latin typeface="Calibri Light" panose="020F0302020204030204" pitchFamily="34" charset="0"/>
+              </a:rPr>
+              <a:t>Hardware Interfacing</a:t>
+            </a:r>
+          </a:p>
+          <a:p>
+            <a:pPr marL="457200" indent="-457200">
+              <a:buFont typeface="Arial" panose="020B0604020202020204" pitchFamily="34" charset="0"/>
+              <a:buChar char="•"/>
+            </a:pPr>
+            <a:r>
+              <a:rPr lang="en-CA" sz="2800" dirty="0" smtClean="0">
+                <a:latin typeface="Calibri Light" panose="020F0302020204030204" pitchFamily="34" charset="0"/>
+              </a:rPr>
+              <a:t>Radio Communications</a:t>
+            </a:r>
+          </a:p>
+          <a:p>
+            <a:r>
+              <a:rPr lang="en-CA" sz="2800" u="sng" dirty="0" smtClean="0">
+                <a:latin typeface="Calibri Light" panose="020F0302020204030204" pitchFamily="34" charset="0"/>
+              </a:rPr>
+              <a:t>Software Side</a:t>
+            </a:r>
+            <a:endParaRPr lang="en-CA" sz="3200" u="sng" dirty="0" smtClean="0">
+              <a:latin typeface="Calibri Light" panose="020F0302020204030204" pitchFamily="34" charset="0"/>
+            </a:endParaRPr>
+          </a:p>
+          <a:p>
+            <a:pPr marL="457200" indent="-457200">
+              <a:buFont typeface="Arial" panose="020B0604020202020204" pitchFamily="34" charset="0"/>
+              <a:buChar char="•"/>
+            </a:pPr>
+            <a:r>
+              <a:rPr lang="en-CA" sz="2800" dirty="0" smtClean="0">
+                <a:latin typeface="Calibri Light" panose="020F0302020204030204" pitchFamily="34" charset="0"/>
+              </a:rPr>
+              <a:t>Linux Operating system configuration</a:t>
+            </a:r>
+          </a:p>
+          <a:p>
+            <a:pPr marL="457200" indent="-457200">
+              <a:buFont typeface="Arial" panose="020B0604020202020204" pitchFamily="34" charset="0"/>
+              <a:buChar char="•"/>
+            </a:pPr>
+            <a:r>
+              <a:rPr lang="en-CA" sz="2800" dirty="0" smtClean="0">
+                <a:latin typeface="Calibri Light" panose="020F0302020204030204" pitchFamily="34" charset="0"/>
+              </a:rPr>
+              <a:t>Data base configuration</a:t>
+            </a:r>
+          </a:p>
+          <a:p>
+            <a:pPr marL="457200" indent="-457200">
+              <a:buFont typeface="Arial" panose="020B0604020202020204" pitchFamily="34" charset="0"/>
+              <a:buChar char="•"/>
+            </a:pPr>
+            <a:r>
+              <a:rPr lang="en-CA" sz="2800" dirty="0" smtClean="0">
+                <a:latin typeface="Calibri Light" panose="020F0302020204030204" pitchFamily="34" charset="0"/>
+              </a:rPr>
+              <a:t>Web-Development</a:t>
+            </a:r>
+            <a:endParaRPr lang="en-CA" sz="2400" dirty="0" smtClean="0">
+              <a:latin typeface="Calibri Light" panose="020F0302020204030204" pitchFamily="34" charset="0"/>
+            </a:endParaRPr>
+          </a:p>
+        </p:txBody>
+      </p:sp>
+    </p:spTree>
+    <p:extLst>
+      <p:ext uri="{BB962C8B-B14F-4D97-AF65-F5344CB8AC3E}">
+        <p14:creationId xmlns:p14="http://schemas.microsoft.com/office/powerpoint/2010/main" val="45380015"/>
+      </p:ext>
+    </p:extLst>
+  </p:cSld>
+  <p:clrMapOvr>
+    <a:masterClrMapping/>
+  </p:clrMapOvr>
+</p:sld>
+</file>
+
+<file path=ppt/slides/slide8.xml><?xml version="1.0" encoding="utf-8"?>
 <p:sld xmlns:a="http://schemas.openxmlformats.org/drawingml/2006/main" xmlns:r="http://schemas.openxmlformats.org/officeDocument/2006/relationships" xmlns:p="http://schemas.openxmlformats.org/presentationml/2006/main">
   <p:cSld>
     <p:spTree>

--- a/Proposal/Presentation/Presentation.pptx
+++ b/Proposal/Presentation/Presentation.pptx
@@ -864,7 +864,7 @@
           <a:p>
             <a:fld id="{1E8DF1F9-F3ED-46B0-A38A-69FC3EABBD4C}" type="datetimeFigureOut">
               <a:rPr lang="en-CA" smtClean="0"/>
-              <a:t>2017-08-23</a:t>
+              <a:t>2017-08-24</a:t>
             </a:fld>
             <a:endParaRPr lang="en-CA"/>
           </a:p>
@@ -1115,7 +1115,7 @@
           <a:p>
             <a:fld id="{1E8DF1F9-F3ED-46B0-A38A-69FC3EABBD4C}" type="datetimeFigureOut">
               <a:rPr lang="en-CA" smtClean="0"/>
-              <a:t>2017-08-23</a:t>
+              <a:t>2017-08-24</a:t>
             </a:fld>
             <a:endParaRPr lang="en-CA"/>
           </a:p>
@@ -1429,7 +1429,7 @@
           <a:p>
             <a:fld id="{1E8DF1F9-F3ED-46B0-A38A-69FC3EABBD4C}" type="datetimeFigureOut">
               <a:rPr lang="en-CA" smtClean="0"/>
-              <a:t>2017-08-23</a:t>
+              <a:t>2017-08-24</a:t>
             </a:fld>
             <a:endParaRPr lang="en-CA"/>
           </a:p>
@@ -1762,7 +1762,7 @@
           <a:p>
             <a:fld id="{1E8DF1F9-F3ED-46B0-A38A-69FC3EABBD4C}" type="datetimeFigureOut">
               <a:rPr lang="en-CA" smtClean="0"/>
-              <a:t>2017-08-23</a:t>
+              <a:t>2017-08-24</a:t>
             </a:fld>
             <a:endParaRPr lang="en-CA"/>
           </a:p>
@@ -2076,7 +2076,7 @@
           <a:p>
             <a:fld id="{1E8DF1F9-F3ED-46B0-A38A-69FC3EABBD4C}" type="datetimeFigureOut">
               <a:rPr lang="en-CA" smtClean="0"/>
-              <a:t>2017-08-23</a:t>
+              <a:t>2017-08-24</a:t>
             </a:fld>
             <a:endParaRPr lang="en-CA"/>
           </a:p>
@@ -2469,7 +2469,7 @@
           <a:p>
             <a:fld id="{1E8DF1F9-F3ED-46B0-A38A-69FC3EABBD4C}" type="datetimeFigureOut">
               <a:rPr lang="en-CA" smtClean="0"/>
-              <a:t>2017-08-23</a:t>
+              <a:t>2017-08-24</a:t>
             </a:fld>
             <a:endParaRPr lang="en-CA"/>
           </a:p>
@@ -2639,7 +2639,7 @@
           <a:p>
             <a:fld id="{1E8DF1F9-F3ED-46B0-A38A-69FC3EABBD4C}" type="datetimeFigureOut">
               <a:rPr lang="en-CA" smtClean="0"/>
-              <a:t>2017-08-23</a:t>
+              <a:t>2017-08-24</a:t>
             </a:fld>
             <a:endParaRPr lang="en-CA"/>
           </a:p>
@@ -2819,7 +2819,7 @@
           <a:p>
             <a:fld id="{1E8DF1F9-F3ED-46B0-A38A-69FC3EABBD4C}" type="datetimeFigureOut">
               <a:rPr lang="en-CA" smtClean="0"/>
-              <a:t>2017-08-23</a:t>
+              <a:t>2017-08-24</a:t>
             </a:fld>
             <a:endParaRPr lang="en-CA"/>
           </a:p>
@@ -2989,7 +2989,7 @@
           <a:p>
             <a:fld id="{1E8DF1F9-F3ED-46B0-A38A-69FC3EABBD4C}" type="datetimeFigureOut">
               <a:rPr lang="en-CA" smtClean="0"/>
-              <a:t>2017-08-23</a:t>
+              <a:t>2017-08-24</a:t>
             </a:fld>
             <a:endParaRPr lang="en-CA"/>
           </a:p>
@@ -3236,7 +3236,7 @@
           <a:p>
             <a:fld id="{1E8DF1F9-F3ED-46B0-A38A-69FC3EABBD4C}" type="datetimeFigureOut">
               <a:rPr lang="en-CA" smtClean="0"/>
-              <a:t>2017-08-23</a:t>
+              <a:t>2017-08-24</a:t>
             </a:fld>
             <a:endParaRPr lang="en-CA"/>
           </a:p>
@@ -3468,7 +3468,7 @@
           <a:p>
             <a:fld id="{1E8DF1F9-F3ED-46B0-A38A-69FC3EABBD4C}" type="datetimeFigureOut">
               <a:rPr lang="en-CA" smtClean="0"/>
-              <a:t>2017-08-23</a:t>
+              <a:t>2017-08-24</a:t>
             </a:fld>
             <a:endParaRPr lang="en-CA"/>
           </a:p>
@@ -3842,7 +3842,7 @@
           <a:p>
             <a:fld id="{1E8DF1F9-F3ED-46B0-A38A-69FC3EABBD4C}" type="datetimeFigureOut">
               <a:rPr lang="en-CA" smtClean="0"/>
-              <a:t>2017-08-23</a:t>
+              <a:t>2017-08-24</a:t>
             </a:fld>
             <a:endParaRPr lang="en-CA"/>
           </a:p>
@@ -3965,7 +3965,7 @@
           <a:p>
             <a:fld id="{1E8DF1F9-F3ED-46B0-A38A-69FC3EABBD4C}" type="datetimeFigureOut">
               <a:rPr lang="en-CA" smtClean="0"/>
-              <a:t>2017-08-23</a:t>
+              <a:t>2017-08-24</a:t>
             </a:fld>
             <a:endParaRPr lang="en-CA"/>
           </a:p>
@@ -4060,7 +4060,7 @@
           <a:p>
             <a:fld id="{1E8DF1F9-F3ED-46B0-A38A-69FC3EABBD4C}" type="datetimeFigureOut">
               <a:rPr lang="en-CA" smtClean="0"/>
-              <a:t>2017-08-23</a:t>
+              <a:t>2017-08-24</a:t>
             </a:fld>
             <a:endParaRPr lang="en-CA"/>
           </a:p>
@@ -4315,7 +4315,7 @@
           <a:p>
             <a:fld id="{1E8DF1F9-F3ED-46B0-A38A-69FC3EABBD4C}" type="datetimeFigureOut">
               <a:rPr lang="en-CA" smtClean="0"/>
-              <a:t>2017-08-23</a:t>
+              <a:t>2017-08-24</a:t>
             </a:fld>
             <a:endParaRPr lang="en-CA"/>
           </a:p>
@@ -4620,7 +4620,7 @@
           <a:p>
             <a:fld id="{1E8DF1F9-F3ED-46B0-A38A-69FC3EABBD4C}" type="datetimeFigureOut">
               <a:rPr lang="en-CA" smtClean="0"/>
-              <a:t>2017-08-23</a:t>
+              <a:t>2017-08-24</a:t>
             </a:fld>
             <a:endParaRPr lang="en-CA"/>
           </a:p>
@@ -5322,7 +5322,7 @@
           <a:p>
             <a:fld id="{1E8DF1F9-F3ED-46B0-A38A-69FC3EABBD4C}" type="datetimeFigureOut">
               <a:rPr lang="en-CA" smtClean="0"/>
-              <a:t>2017-08-23</a:t>
+              <a:t>2017-08-24</a:t>
             </a:fld>
             <a:endParaRPr lang="en-CA"/>
           </a:p>
@@ -6374,7 +6374,7 @@
         <p:spPr>
           <a:xfrm>
             <a:off x="483080" y="1846860"/>
-            <a:ext cx="6735049" cy="4031873"/>
+            <a:ext cx="8114465" cy="3170099"/>
           </a:xfrm>
           <a:prstGeom prst="rect">
             <a:avLst/>
@@ -6403,7 +6403,19 @@
               <a:rPr lang="en-CA" sz="2800" dirty="0" smtClean="0">
                 <a:latin typeface="Calibri Light" panose="020F0302020204030204" pitchFamily="34" charset="0"/>
               </a:rPr>
-              <a:t>Ability to monitor large number of sensors</a:t>
+              <a:t>Ability to </a:t>
+            </a:r>
+            <a:r>
+              <a:rPr lang="en-CA" sz="2800" dirty="0" smtClean="0">
+                <a:latin typeface="Calibri Light" panose="020F0302020204030204" pitchFamily="34" charset="0"/>
+              </a:rPr>
+              <a:t>remotely monitor </a:t>
+            </a:r>
+            <a:r>
+              <a:rPr lang="en-CA" sz="2800" dirty="0" smtClean="0">
+                <a:latin typeface="Calibri Light" panose="020F0302020204030204" pitchFamily="34" charset="0"/>
+              </a:rPr>
+              <a:t>large number of sensors</a:t>
             </a:r>
           </a:p>
           <a:p>
@@ -6415,31 +6427,13 @@
               <a:rPr lang="en-CA" sz="2800" dirty="0" smtClean="0">
                 <a:latin typeface="Calibri Light" panose="020F0302020204030204" pitchFamily="34" charset="0"/>
               </a:rPr>
-              <a:t>Support for different sensor types</a:t>
-            </a:r>
-          </a:p>
-          <a:p>
-            <a:pPr marL="457200" indent="-457200">
-              <a:buFont typeface="Arial" panose="020B0604020202020204" pitchFamily="34" charset="0"/>
-              <a:buChar char="•"/>
-            </a:pPr>
+              <a:t>Ease </a:t>
+            </a:r>
             <a:r>
               <a:rPr lang="en-CA" sz="2800" dirty="0" smtClean="0">
                 <a:latin typeface="Calibri Light" panose="020F0302020204030204" pitchFamily="34" charset="0"/>
               </a:rPr>
-              <a:t>Remote monitoring</a:t>
-            </a:r>
-          </a:p>
-          <a:p>
-            <a:pPr marL="457200" indent="-457200">
-              <a:buFont typeface="Arial" panose="020B0604020202020204" pitchFamily="34" charset="0"/>
-              <a:buChar char="•"/>
-            </a:pPr>
-            <a:r>
-              <a:rPr lang="en-CA" sz="2800" dirty="0" smtClean="0">
-                <a:latin typeface="Calibri Light" panose="020F0302020204030204" pitchFamily="34" charset="0"/>
-              </a:rPr>
-              <a:t>Ease of access - Network</a:t>
+              <a:t>of access - Network</a:t>
             </a:r>
           </a:p>
           <a:p>
